--- a/2.7 and 2.8 Jonty van der Colff.pptx
+++ b/2.7 and 2.8 Jonty van der Colff.pptx
@@ -128,13 +128,33 @@
 </p:presentation>
 </file>
 
-<file path=ppt/revisionInfo.xml><?xml version="1.0" encoding="utf-8"?>
-<p1510:revInfo xmlns:a="http://schemas.openxmlformats.org/drawingml/2006/main" xmlns:r="http://schemas.openxmlformats.org/officeDocument/2006/relationships" xmlns:p1510="http://schemas.microsoft.com/office/powerpoint/2015/10/main">
-  <p1510:revLst>
-    <p1510:client id="{9B30284F-08EF-417B-ACB9-6F3D85F58B58}" v="7" dt="2021-11-12T20:49:21.998"/>
-    <p1510:client id="{E8D5478E-048D-4D5E-BB76-1A1E9710BD82}" v="1" dt="2021-11-12T21:42:47.501"/>
-  </p1510:revLst>
-</p1510:revInfo>
+<file path=ppt/changesInfos/changesInfo1.xml><?xml version="1.0" encoding="utf-8"?>
+<pc:chgInfo xmlns:a="http://schemas.openxmlformats.org/drawingml/2006/main" xmlns:r="http://schemas.openxmlformats.org/officeDocument/2006/relationships" xmlns:ac="http://schemas.microsoft.com/office/drawing/2013/main/command" xmlns:pc="http://schemas.microsoft.com/office/powerpoint/2013/main/command">
+  <pc:docChgLst>
+    <pc:chgData name="Jonty van der Colff" userId="ab632494-6049-4b72-b5bf-790fadb603d6" providerId="ADAL" clId="{1B1A1335-706A-4D41-887D-1C9202ACDE80}"/>
+    <pc:docChg chg="modSld">
+      <pc:chgData name="Jonty van der Colff" userId="ab632494-6049-4b72-b5bf-790fadb603d6" providerId="ADAL" clId="{1B1A1335-706A-4D41-887D-1C9202ACDE80}" dt="2023-05-14T21:34:08.280" v="1" actId="20577"/>
+      <pc:docMkLst>
+        <pc:docMk/>
+      </pc:docMkLst>
+      <pc:sldChg chg="modSp mod">
+        <pc:chgData name="Jonty van der Colff" userId="ab632494-6049-4b72-b5bf-790fadb603d6" providerId="ADAL" clId="{1B1A1335-706A-4D41-887D-1C9202ACDE80}" dt="2023-05-14T21:34:08.280" v="1" actId="20577"/>
+        <pc:sldMkLst>
+          <pc:docMk/>
+          <pc:sldMk cId="270828811" sldId="273"/>
+        </pc:sldMkLst>
+        <pc:spChg chg="mod">
+          <ac:chgData name="Jonty van der Colff" userId="ab632494-6049-4b72-b5bf-790fadb603d6" providerId="ADAL" clId="{1B1A1335-706A-4D41-887D-1C9202ACDE80}" dt="2023-05-14T21:34:08.280" v="1" actId="20577"/>
+          <ac:spMkLst>
+            <pc:docMk/>
+            <pc:sldMk cId="270828811" sldId="273"/>
+            <ac:spMk id="4" creationId="{8CD07A82-A944-4A9B-9A52-515DAC30878A}"/>
+          </ac:spMkLst>
+        </pc:spChg>
+      </pc:sldChg>
+    </pc:docChg>
+  </pc:docChgLst>
+</pc:chgInfo>
 </file>
 
 <file path=ppt/notesMasters/notesMaster1.xml><?xml version="1.0" encoding="utf-8"?>
@@ -219,7 +239,7 @@
           <a:p>
             <a:fld id="{F37D28C0-BEB6-42B0-A203-EEE1023219C4}" type="datetimeFigureOut">
               <a:rPr lang="en-NZ" smtClean="0"/>
-              <a:t>1/05/2023</a:t>
+              <a:t>15/05/2023</a:t>
             </a:fld>
             <a:endParaRPr lang="en-NZ"/>
           </a:p>
@@ -1841,7 +1861,7 @@
           <a:p>
             <a:fld id="{9C4A4F43-1C06-40E6-8F87-8B286982E50E}" type="datetimeFigureOut">
               <a:rPr lang="en-NZ" smtClean="0"/>
-              <a:t>1/05/2023</a:t>
+              <a:t>15/05/2023</a:t>
             </a:fld>
             <a:endParaRPr lang="en-NZ" dirty="0"/>
           </a:p>
@@ -2041,7 +2061,7 @@
           <a:p>
             <a:fld id="{9C4A4F43-1C06-40E6-8F87-8B286982E50E}" type="datetimeFigureOut">
               <a:rPr lang="en-NZ" smtClean="0"/>
-              <a:t>1/05/2023</a:t>
+              <a:t>15/05/2023</a:t>
             </a:fld>
             <a:endParaRPr lang="en-NZ" dirty="0"/>
           </a:p>
@@ -2251,7 +2271,7 @@
           <a:p>
             <a:fld id="{9C4A4F43-1C06-40E6-8F87-8B286982E50E}" type="datetimeFigureOut">
               <a:rPr lang="en-NZ" smtClean="0"/>
-              <a:t>1/05/2023</a:t>
+              <a:t>15/05/2023</a:t>
             </a:fld>
             <a:endParaRPr lang="en-NZ" dirty="0"/>
           </a:p>
@@ -2810,7 +2830,7 @@
           <a:p>
             <a:fld id="{9C4A4F43-1C06-40E6-8F87-8B286982E50E}" type="datetimeFigureOut">
               <a:rPr lang="en-NZ" smtClean="0"/>
-              <a:t>1/05/2023</a:t>
+              <a:t>15/05/2023</a:t>
             </a:fld>
             <a:endParaRPr lang="en-NZ" dirty="0"/>
           </a:p>
@@ -3086,7 +3106,7 @@
           <a:p>
             <a:fld id="{9C4A4F43-1C06-40E6-8F87-8B286982E50E}" type="datetimeFigureOut">
               <a:rPr lang="en-NZ" smtClean="0"/>
-              <a:t>1/05/2023</a:t>
+              <a:t>15/05/2023</a:t>
             </a:fld>
             <a:endParaRPr lang="en-NZ" dirty="0"/>
           </a:p>
@@ -3354,7 +3374,7 @@
           <a:p>
             <a:fld id="{9C4A4F43-1C06-40E6-8F87-8B286982E50E}" type="datetimeFigureOut">
               <a:rPr lang="en-NZ" smtClean="0"/>
-              <a:t>1/05/2023</a:t>
+              <a:t>15/05/2023</a:t>
             </a:fld>
             <a:endParaRPr lang="en-NZ" dirty="0"/>
           </a:p>
@@ -3769,7 +3789,7 @@
           <a:p>
             <a:fld id="{9C4A4F43-1C06-40E6-8F87-8B286982E50E}" type="datetimeFigureOut">
               <a:rPr lang="en-NZ" smtClean="0"/>
-              <a:t>1/05/2023</a:t>
+              <a:t>15/05/2023</a:t>
             </a:fld>
             <a:endParaRPr lang="en-NZ" dirty="0"/>
           </a:p>
@@ -3911,7 +3931,7 @@
           <a:p>
             <a:fld id="{9C4A4F43-1C06-40E6-8F87-8B286982E50E}" type="datetimeFigureOut">
               <a:rPr lang="en-NZ" smtClean="0"/>
-              <a:t>1/05/2023</a:t>
+              <a:t>15/05/2023</a:t>
             </a:fld>
             <a:endParaRPr lang="en-NZ" dirty="0"/>
           </a:p>
@@ -4024,7 +4044,7 @@
           <a:p>
             <a:fld id="{9C4A4F43-1C06-40E6-8F87-8B286982E50E}" type="datetimeFigureOut">
               <a:rPr lang="en-NZ" smtClean="0"/>
-              <a:t>1/05/2023</a:t>
+              <a:t>15/05/2023</a:t>
             </a:fld>
             <a:endParaRPr lang="en-NZ" dirty="0"/>
           </a:p>
@@ -4337,7 +4357,7 @@
           <a:p>
             <a:fld id="{9C4A4F43-1C06-40E6-8F87-8B286982E50E}" type="datetimeFigureOut">
               <a:rPr lang="en-NZ" smtClean="0"/>
-              <a:t>1/05/2023</a:t>
+              <a:t>15/05/2023</a:t>
             </a:fld>
             <a:endParaRPr lang="en-NZ" dirty="0"/>
           </a:p>
@@ -4626,7 +4646,7 @@
           <a:p>
             <a:fld id="{9C4A4F43-1C06-40E6-8F87-8B286982E50E}" type="datetimeFigureOut">
               <a:rPr lang="en-NZ" smtClean="0"/>
-              <a:t>1/05/2023</a:t>
+              <a:t>15/05/2023</a:t>
             </a:fld>
             <a:endParaRPr lang="en-NZ" dirty="0"/>
           </a:p>
@@ -4869,7 +4889,7 @@
           <a:p>
             <a:fld id="{9C4A4F43-1C06-40E6-8F87-8B286982E50E}" type="datetimeFigureOut">
               <a:rPr lang="en-NZ" smtClean="0"/>
-              <a:t>1/05/2023</a:t>
+              <a:t>15/05/2023</a:t>
             </a:fld>
             <a:endParaRPr lang="en-NZ" dirty="0"/>
           </a:p>
@@ -8015,8 +8035,12 @@
               <a:t>NOTE: Trialling needs to happen for </a:t>
             </a:r>
             <a:r>
+              <a:rPr lang="en-NZ" b="1" i="1"/>
+              <a:t>at least </a:t>
+            </a:r>
+            <a:r>
               <a:rPr lang="en-NZ" b="1" i="1" dirty="0"/>
-              <a:t>at least 2 </a:t>
+              <a:t>2 </a:t>
             </a:r>
             <a:r>
               <a:rPr lang="en-NZ" i="1" dirty="0"/>
@@ -8636,15 +8660,6 @@
 </file>
 
 <file path=customXml/item1.xml><?xml version="1.0" encoding="utf-8"?>
-<?mso-contentType ?>
-<FormTemplates xmlns="http://schemas.microsoft.com/sharepoint/v3/contenttype/forms">
-  <Display>DocumentLibraryForm</Display>
-  <Edit>DocumentLibraryForm</Edit>
-  <New>DocumentLibraryForm</New>
-</FormTemplates>
-</file>
-
-<file path=customXml/item2.xml><?xml version="1.0" encoding="utf-8"?>
 <ct:contentTypeSchema xmlns:ct="http://schemas.microsoft.com/office/2006/metadata/contentType" xmlns:ma="http://schemas.microsoft.com/office/2006/metadata/properties/metaAttributes" ct:_="" ma:_="" ma:contentTypeName="Document" ma:contentTypeID="0x010100B37AA4149E3FCE42B2F0D36F55263BE7" ma:contentTypeVersion="3" ma:contentTypeDescription="Create a new document." ma:contentTypeScope="" ma:versionID="f7f1c092f231b6630c24ec1f654af881">
   <xsd:schema xmlns:xsd="http://www.w3.org/2001/XMLSchema" xmlns:xs="http://www.w3.org/2001/XMLSchema" xmlns:p="http://schemas.microsoft.com/office/2006/metadata/properties" xmlns:ns2="205ad105-7c38-4030-89bf-bb8828f957ce" targetNamespace="http://schemas.microsoft.com/office/2006/metadata/properties" ma:root="true" ma:fieldsID="4b98ef4347ca2c9d6ddeb86b863b8840" ns2:_="">
     <xsd:import namespace="205ad105-7c38-4030-89bf-bb8828f957ce"/>
@@ -8782,15 +8797,16 @@
 </ct:contentTypeSchema>
 </file>
 
-<file path=customXml/itemProps1.xml><?xml version="1.0" encoding="utf-8"?>
-<ds:datastoreItem xmlns:ds="http://schemas.openxmlformats.org/officeDocument/2006/customXml" ds:itemID="{2025CDDF-CD31-423A-BEB8-DE00B73966BF}">
-  <ds:schemaRefs>
-    <ds:schemaRef ds:uri="http://schemas.microsoft.com/sharepoint/v3/contenttype/forms"/>
-  </ds:schemaRefs>
-</ds:datastoreItem>
+<file path=customXml/item2.xml><?xml version="1.0" encoding="utf-8"?>
+<?mso-contentType ?>
+<FormTemplates xmlns="http://schemas.microsoft.com/sharepoint/v3/contenttype/forms">
+  <Display>DocumentLibraryForm</Display>
+  <Edit>DocumentLibraryForm</Edit>
+  <New>DocumentLibraryForm</New>
+</FormTemplates>
 </file>
 
-<file path=customXml/itemProps2.xml><?xml version="1.0" encoding="utf-8"?>
+<file path=customXml/itemProps1.xml><?xml version="1.0" encoding="utf-8"?>
 <ds:datastoreItem xmlns:ds="http://schemas.openxmlformats.org/officeDocument/2006/customXml" ds:itemID="{F118AE1B-89AB-4E8D-A474-F3B1187AE7D6}">
   <ds:schemaRefs>
     <ds:schemaRef ds:uri="http://schemas.microsoft.com/office/2006/metadata/contentType"/>
@@ -8806,4 +8822,12 @@
     <ds:schemaRef ds:uri="http://schemas.microsoft.com/internal/obd"/>
   </ds:schemaRefs>
 </ds:datastoreItem>
+</file>
+
+<file path=customXml/itemProps2.xml><?xml version="1.0" encoding="utf-8"?>
+<ds:datastoreItem xmlns:ds="http://schemas.openxmlformats.org/officeDocument/2006/customXml" ds:itemID="{2025CDDF-CD31-423A-BEB8-DE00B73966BF}">
+  <ds:schemaRefs>
+    <ds:schemaRef ds:uri="http://schemas.microsoft.com/sharepoint/v3/contenttype/forms"/>
+  </ds:schemaRefs>
+</ds:datastoreItem>
 </file>